--- a/Web/Aliyun-Notes.pptx
+++ b/Web/Aliyun-Notes.pptx
@@ -5,15 +5,18 @@
     <p:sldMasterId id="2147483648" r:id="rId1"/>
   </p:sldMasterIdLst>
   <p:notesMasterIdLst>
-    <p:notesMasterId r:id="rId9"/>
+    <p:notesMasterId r:id="rId12"/>
   </p:notesMasterIdLst>
   <p:sldIdLst>
     <p:sldId id="256" r:id="rId3"/>
     <p:sldId id="262" r:id="rId4"/>
-    <p:sldId id="263" r:id="rId5"/>
-    <p:sldId id="261" r:id="rId6"/>
-    <p:sldId id="264" r:id="rId7"/>
-    <p:sldId id="266" r:id="rId8"/>
+    <p:sldId id="266" r:id="rId5"/>
+    <p:sldId id="263" r:id="rId6"/>
+    <p:sldId id="268" r:id="rId7"/>
+    <p:sldId id="261" r:id="rId8"/>
+    <p:sldId id="264" r:id="rId9"/>
+    <p:sldId id="267" r:id="rId10"/>
+    <p:sldId id="269" r:id="rId11"/>
   </p:sldIdLst>
   <p:sldSz cx="12192000" cy="6858000"/>
   <p:notesSz cx="6858000" cy="9144000"/>
@@ -3715,6 +3718,161 @@
           <a:p>
             <a:r>
               <a:rPr lang="en-US" altLang="zh-CN"/>
+              <a:t>Set up</a:t>
+            </a:r>
+            <a:endParaRPr lang="en-US" altLang="zh-CN"/>
+          </a:p>
+        </p:txBody>
+      </p:sp>
+      <p:sp>
+        <p:nvSpPr>
+          <p:cNvPr id="3" name="内容占位符 2"/>
+          <p:cNvSpPr>
+            <a:spLocks noGrp="1"/>
+          </p:cNvSpPr>
+          <p:nvPr>
+            <p:ph idx="1"/>
+          </p:nvPr>
+        </p:nvSpPr>
+        <p:spPr/>
+        <p:txBody>
+          <a:bodyPr/>
+          <a:p>
+            <a:r>
+              <a:rPr lang="en-US" altLang="zh-CN">
+                <a:sym typeface="+mn-ea"/>
+              </a:rPr>
+              <a:t>Get IP Address of ECS from Ali</a:t>
+            </a:r>
+            <a:endParaRPr lang="en-US" altLang="zh-CN">
+              <a:sym typeface="+mn-ea"/>
+            </a:endParaRPr>
+          </a:p>
+          <a:p>
+            <a:r>
+              <a:rPr lang="en-US" altLang="zh-CN"/>
+              <a:t>Log in with root</a:t>
+            </a:r>
+            <a:endParaRPr lang="en-US" altLang="zh-CN"/>
+          </a:p>
+          <a:p>
+            <a:r>
+              <a:rPr lang="en-US" altLang="zh-CN"/>
+              <a:t>Create new user account</a:t>
+            </a:r>
+            <a:endParaRPr lang="en-US" altLang="zh-CN"/>
+          </a:p>
+          <a:p>
+            <a:r>
+              <a:rPr lang="en-US" altLang="zh-CN"/>
+              <a:t>Install Apache</a:t>
+            </a:r>
+            <a:endParaRPr lang="en-US" altLang="zh-CN"/>
+          </a:p>
+          <a:p>
+            <a:pPr lvl="1">
+              <a:buFont typeface="Wingdings" panose="05000000000000000000" charset="0"/>
+              <a:buChar char=""/>
+            </a:pPr>
+            <a:r>
+              <a:rPr lang="en-US" altLang="zh-CN"/>
+              <a:t>sudo apt install apache</a:t>
+            </a:r>
+            <a:endParaRPr lang="en-US" altLang="zh-CN"/>
+          </a:p>
+          <a:p>
+            <a:pPr lvl="0" algn="l">
+              <a:buClrTx/>
+              <a:buSzTx/>
+              <a:buChar char="〉"/>
+            </a:pPr>
+            <a:r>
+              <a:rPr lang="en-US" altLang="zh-CN"/>
+              <a:t>设置安全组规则</a:t>
+            </a:r>
+            <a:endParaRPr lang="en-US" altLang="zh-CN"/>
+          </a:p>
+          <a:p>
+            <a:pPr lvl="1">
+              <a:buFont typeface="Wingdings" panose="05000000000000000000" charset="0"/>
+              <a:buChar char=""/>
+            </a:pPr>
+            <a:r>
+              <a:rPr lang="en-US" altLang="zh-CN"/>
+              <a:t>Add HTTP 80 port rule</a:t>
+            </a:r>
+            <a:endParaRPr lang="en-US" altLang="zh-CN"/>
+          </a:p>
+          <a:p>
+            <a:pPr lvl="0" algn="l">
+              <a:buClrTx/>
+              <a:buSzTx/>
+              <a:buChar char="〉"/>
+            </a:pPr>
+            <a:r>
+              <a:rPr lang="en-US" altLang="zh-CN"/>
+              <a:t>域名解析</a:t>
+            </a:r>
+            <a:endParaRPr lang="en-US" altLang="zh-CN"/>
+          </a:p>
+          <a:p>
+            <a:pPr lvl="1">
+              <a:buFont typeface="Wingdings" panose="05000000000000000000" charset="0"/>
+              <a:buChar char=""/>
+            </a:pPr>
+            <a:r>
+              <a:rPr lang="zh-CN" altLang="zh-CN"/>
+              <a:t>域名管理</a:t>
+            </a:r>
+            <a:r>
+              <a:rPr lang="en-US" altLang="zh-CN"/>
+              <a:t>-</a:t>
+            </a:r>
+            <a:r>
+              <a:rPr lang="zh-CN" altLang="en-US"/>
+              <a:t>》解析</a:t>
+            </a:r>
+            <a:endParaRPr lang="zh-CN" altLang="en-US"/>
+          </a:p>
+        </p:txBody>
+      </p:sp>
+    </p:spTree>
+    <p:custDataLst>
+      <p:tags r:id="rId1"/>
+    </p:custDataLst>
+  </p:cSld>
+  <p:clrMapOvr>
+    <a:masterClrMapping/>
+  </p:clrMapOvr>
+</p:sld>
+</file>
+
+<file path=ppt/slides/slide4.xml><?xml version="1.0" encoding="utf-8"?>
+<p:sld xmlns:a="http://schemas.openxmlformats.org/drawingml/2006/main" xmlns:r="http://schemas.openxmlformats.org/officeDocument/2006/relationships" xmlns:p="http://schemas.openxmlformats.org/presentationml/2006/main">
+  <p:cSld>
+    <p:spTree>
+      <p:nvGrpSpPr>
+        <p:cNvPr id="1" name=""/>
+        <p:cNvGrpSpPr/>
+        <p:nvPr/>
+      </p:nvGrpSpPr>
+      <p:grpSpPr/>
+      <p:sp>
+        <p:nvSpPr>
+          <p:cNvPr id="2" name="标题 1"/>
+          <p:cNvSpPr>
+            <a:spLocks noGrp="1"/>
+          </p:cNvSpPr>
+          <p:nvPr>
+            <p:ph type="title"/>
+          </p:nvPr>
+        </p:nvSpPr>
+        <p:spPr/>
+        <p:txBody>
+          <a:bodyPr/>
+          <a:p>
+            <a:r>
+              <a:rPr lang="en-US" altLang="zh-CN"/>
               <a:t>OSS</a:t>
             </a:r>
             <a:endParaRPr lang="en-US" altLang="zh-CN"/>
@@ -3838,7 +3996,7 @@
 </p:sld>
 </file>
 
-<file path=ppt/slides/slide4.xml><?xml version="1.0" encoding="utf-8"?>
+<file path=ppt/slides/slide5.xml><?xml version="1.0" encoding="utf-8"?>
 <p:sld xmlns:a="http://schemas.openxmlformats.org/drawingml/2006/main" xmlns:r="http://schemas.openxmlformats.org/officeDocument/2006/relationships" xmlns:p="http://schemas.openxmlformats.org/presentationml/2006/main">
   <p:cSld>
     <p:spTree>
@@ -3850,7 +4008,7 @@
       <p:grpSpPr/>
       <p:sp>
         <p:nvSpPr>
-          <p:cNvPr id="2" name="标题 1"/>
+          <p:cNvPr id="4" name="标题 3"/>
           <p:cNvSpPr>
             <a:spLocks noGrp="1"/>
           </p:cNvSpPr>
@@ -3864,7 +4022,7 @@
           <a:p>
             <a:r>
               <a:rPr lang="en-US" altLang="zh-CN"/>
-              <a:t>Setup Environment</a:t>
+              <a:t>Python Development</a:t>
             </a:r>
             <a:endParaRPr lang="en-US" altLang="zh-CN"/>
           </a:p>
@@ -3872,178 +4030,19 @@
       </p:sp>
       <p:sp>
         <p:nvSpPr>
-          <p:cNvPr id="3" name="内容占位符 2"/>
-          <p:cNvSpPr>
-            <a:spLocks noGrp="1"/>
-          </p:cNvSpPr>
-          <p:nvPr>
-            <p:ph idx="1"/>
+          <p:cNvPr id="5" name="文本占位符 4"/>
+          <p:cNvSpPr>
+            <a:spLocks noGrp="1"/>
+          </p:cNvSpPr>
+          <p:nvPr>
+            <p:ph type="body" idx="1"/>
           </p:nvPr>
         </p:nvSpPr>
         <p:spPr/>
         <p:txBody>
           <a:bodyPr/>
           <a:p>
-            <a:r>
-              <a:rPr lang="en-US" altLang="zh-CN"/>
-              <a:t>Aliyun Python SDK</a:t>
-            </a:r>
-            <a:endParaRPr lang="en-US" altLang="zh-CN"/>
-          </a:p>
-        </p:txBody>
-      </p:sp>
-      <p:sp>
-        <p:nvSpPr>
-          <p:cNvPr id="4" name="文本框 3"/>
-          <p:cNvSpPr txBox="1"/>
-          <p:nvPr/>
-        </p:nvSpPr>
-        <p:spPr>
-          <a:xfrm>
-            <a:off x="6080125" y="1797050"/>
-            <a:ext cx="3363595" cy="953135"/>
-          </a:xfrm>
-          <a:prstGeom prst="rect">
-            <a:avLst/>
-          </a:prstGeom>
-          <a:noFill/>
-        </p:spPr>
-        <p:txBody>
-          <a:bodyPr wrap="none" rtlCol="0">
-            <a:spAutoFit/>
-          </a:bodyPr>
-          <a:p>
-            <a:pPr lvl="1" algn="l">
-              <a:buFont typeface="Wingdings" panose="05000000000000000000" charset="0"/>
-              <a:buChar char="l"/>
-            </a:pPr>
-            <a:r>
-              <a:rPr lang="en-US" altLang="zh-CN" sz="1400">
-                <a:sym typeface="+mn-ea"/>
-              </a:rPr>
-              <a:t>pip install aliyun-python-sdk-core</a:t>
-            </a:r>
-            <a:endParaRPr lang="en-US" altLang="zh-CN" sz="1400"/>
-          </a:p>
-          <a:p>
-            <a:pPr lvl="1" algn="l">
-              <a:buFont typeface="Wingdings" panose="05000000000000000000" charset="0"/>
-              <a:buChar char="l"/>
-            </a:pPr>
-            <a:r>
-              <a:rPr lang="en-US" altLang="zh-CN" sz="1400">
-                <a:sym typeface="+mn-ea"/>
-              </a:rPr>
-              <a:t>pip install aliyun-python-sdk-oss</a:t>
-            </a:r>
-            <a:endParaRPr lang="en-US" altLang="zh-CN" sz="1400">
-              <a:sym typeface="+mn-ea"/>
-            </a:endParaRPr>
-          </a:p>
-          <a:p>
-            <a:pPr lvl="1" algn="l">
-              <a:buFont typeface="Wingdings" panose="05000000000000000000" charset="0"/>
-              <a:buChar char="l"/>
-            </a:pPr>
-            <a:endParaRPr lang="zh-CN" altLang="en-US" sz="1400" dirty="0" smtClean="0">
-              <a:latin typeface="Arial" panose="020B0604020202020204" pitchFamily="34" charset="0"/>
-              <a:ea typeface="微软雅黑" panose="020B0503020204020204" charset="-122"/>
-            </a:endParaRPr>
-          </a:p>
-          <a:p>
-            <a:pPr lvl="1" algn="l">
-              <a:buFont typeface="Wingdings" panose="05000000000000000000" charset="0"/>
-              <a:buChar char="l"/>
-            </a:pPr>
-            <a:r>
-              <a:rPr lang="en-US" altLang="zh-CN" sz="1400" dirty="0" smtClean="0">
-                <a:latin typeface="Arial" panose="020B0604020202020204" pitchFamily="34" charset="0"/>
-                <a:ea typeface="微软雅黑" panose="020B0503020204020204" charset="-122"/>
-              </a:rPr>
-              <a:t>pip install oss2</a:t>
-            </a:r>
-            <a:endParaRPr lang="en-US" altLang="zh-CN" sz="1400" dirty="0" smtClean="0">
-              <a:latin typeface="Arial" panose="020B0604020202020204" pitchFamily="34" charset="0"/>
-              <a:ea typeface="微软雅黑" panose="020B0503020204020204" charset="-122"/>
-            </a:endParaRPr>
-          </a:p>
-        </p:txBody>
-      </p:sp>
-      <p:sp>
-        <p:nvSpPr>
-          <p:cNvPr id="5" name="文本框 4"/>
-          <p:cNvSpPr txBox="1"/>
-          <p:nvPr/>
-        </p:nvSpPr>
-        <p:spPr>
-          <a:xfrm>
-            <a:off x="5786120" y="3718560"/>
-            <a:ext cx="5828665" cy="737235"/>
-          </a:xfrm>
-          <a:prstGeom prst="rect">
-            <a:avLst/>
-          </a:prstGeom>
-          <a:noFill/>
-        </p:spPr>
-        <p:txBody>
-          <a:bodyPr wrap="none" rtlCol="0">
-            <a:spAutoFit/>
-          </a:bodyPr>
-          <a:p>
-            <a:pPr lvl="1" algn="l">
-              <a:buFont typeface="Wingdings" panose="05000000000000000000" charset="0"/>
-              <a:buChar char="l"/>
-            </a:pPr>
-            <a:r>
-              <a:rPr lang="en-US" altLang="zh-CN" sz="1400">
-                <a:sym typeface="+mn-ea"/>
-              </a:rPr>
-              <a:t> git clone https://github.com/aliyun/aliyun-openapi-python-sdk.git</a:t>
-            </a:r>
-            <a:endParaRPr lang="en-US" altLang="zh-CN" sz="1400">
-              <a:sym typeface="+mn-ea"/>
-            </a:endParaRPr>
-          </a:p>
-          <a:p>
-            <a:pPr lvl="1" algn="l">
-              <a:buFont typeface="Wingdings" panose="05000000000000000000" charset="0"/>
-              <a:buChar char="l"/>
-            </a:pPr>
-            <a:r>
-              <a:rPr lang="zh-CN" altLang="en-US" sz="1400" dirty="0" smtClean="0">
-                <a:latin typeface="Arial" panose="020B0604020202020204" pitchFamily="34" charset="0"/>
-                <a:ea typeface="微软雅黑" panose="020B0503020204020204" charset="-122"/>
-              </a:rPr>
-              <a:t> </a:t>
-            </a:r>
-            <a:r>
-              <a:rPr lang="en-US" altLang="zh-CN" sz="1400" dirty="0" smtClean="0">
-                <a:latin typeface="Arial" panose="020B0604020202020204" pitchFamily="34" charset="0"/>
-                <a:ea typeface="微软雅黑" panose="020B0503020204020204" charset="-122"/>
-              </a:rPr>
-              <a:t>cd aliyun-python-sdk-ossadmin</a:t>
-            </a:r>
-            <a:endParaRPr lang="en-US" altLang="zh-CN" sz="1400" dirty="0" smtClean="0">
-              <a:latin typeface="Arial" panose="020B0604020202020204" pitchFamily="34" charset="0"/>
-              <a:ea typeface="微软雅黑" panose="020B0503020204020204" charset="-122"/>
-            </a:endParaRPr>
-          </a:p>
-          <a:p>
-            <a:pPr lvl="1" algn="l">
-              <a:buFont typeface="Wingdings" panose="05000000000000000000" charset="0"/>
-              <a:buChar char="l"/>
-            </a:pPr>
-            <a:r>
-              <a:rPr lang="en-US" altLang="zh-CN" sz="1400" dirty="0" smtClean="0">
-                <a:latin typeface="Arial" panose="020B0604020202020204" pitchFamily="34" charset="0"/>
-                <a:ea typeface="微软雅黑" panose="020B0503020204020204" charset="-122"/>
-              </a:rPr>
-              <a:t> sudo python setup.py install</a:t>
-            </a:r>
-            <a:endParaRPr lang="en-US" altLang="zh-CN" sz="1400" dirty="0" smtClean="0">
-              <a:latin typeface="Arial" panose="020B0604020202020204" pitchFamily="34" charset="0"/>
-              <a:ea typeface="微软雅黑" panose="020B0503020204020204" charset="-122"/>
-            </a:endParaRPr>
+            <a:endParaRPr lang="zh-CN" altLang="en-US"/>
           </a:p>
         </p:txBody>
       </p:sp>
@@ -4058,7 +4057,7 @@
 </p:sld>
 </file>
 
-<file path=ppt/slides/slide5.xml><?xml version="1.0" encoding="utf-8"?>
+<file path=ppt/slides/slide6.xml><?xml version="1.0" encoding="utf-8"?>
 <p:sld xmlns:a="http://schemas.openxmlformats.org/drawingml/2006/main" xmlns:r="http://schemas.openxmlformats.org/officeDocument/2006/relationships" xmlns:p="http://schemas.openxmlformats.org/presentationml/2006/main">
   <p:cSld>
     <p:spTree>
@@ -4084,7 +4083,204 @@
           <a:p>
             <a:r>
               <a:rPr lang="en-US" altLang="zh-CN"/>
-              <a:t>Python API for OSS</a:t>
+              <a:t>Dev Environment</a:t>
+            </a:r>
+            <a:endParaRPr lang="en-US" altLang="zh-CN"/>
+          </a:p>
+        </p:txBody>
+      </p:sp>
+      <p:sp>
+        <p:nvSpPr>
+          <p:cNvPr id="3" name="内容占位符 2"/>
+          <p:cNvSpPr>
+            <a:spLocks noGrp="1"/>
+          </p:cNvSpPr>
+          <p:nvPr>
+            <p:ph idx="1"/>
+          </p:nvPr>
+        </p:nvSpPr>
+        <p:spPr/>
+        <p:txBody>
+          <a:bodyPr/>
+          <a:p>
+            <a:r>
+              <a:rPr lang="en-US" altLang="zh-CN"/>
+              <a:t>Aliyun Python SDK</a:t>
+            </a:r>
+            <a:endParaRPr lang="en-US" altLang="zh-CN"/>
+          </a:p>
+          <a:p>
+            <a:pPr lvl="1"/>
+            <a:r>
+              <a:rPr lang="en-US" altLang="zh-CN"/>
+              <a:t>Install</a:t>
+            </a:r>
+            <a:endParaRPr lang="en-US" altLang="zh-CN"/>
+          </a:p>
+          <a:p>
+            <a:pPr lvl="2"/>
+            <a:r>
+              <a:rPr lang="en-US" altLang="zh-CN" sz="1620">
+                <a:sym typeface="+mn-ea"/>
+              </a:rPr>
+              <a:t>pip install aliyun-python-sdk-core</a:t>
+            </a:r>
+            <a:endParaRPr lang="en-US" altLang="zh-CN" sz="1620">
+              <a:sym typeface="+mn-ea"/>
+            </a:endParaRPr>
+          </a:p>
+          <a:p>
+            <a:pPr lvl="2"/>
+            <a:r>
+              <a:rPr lang="en-US" altLang="zh-CN" sz="1620">
+                <a:sym typeface="+mn-ea"/>
+              </a:rPr>
+              <a:t>pip install aliyun-python-sdk-oss</a:t>
+            </a:r>
+            <a:endParaRPr lang="en-US" altLang="zh-CN" sz="1620">
+              <a:sym typeface="+mn-ea"/>
+            </a:endParaRPr>
+          </a:p>
+          <a:p>
+            <a:pPr lvl="2"/>
+            <a:r>
+              <a:rPr lang="en-US" altLang="zh-CN" sz="1620">
+                <a:sym typeface="+mn-ea"/>
+              </a:rPr>
+              <a:t>pip install oss2</a:t>
+            </a:r>
+            <a:endParaRPr lang="en-US" altLang="zh-CN" sz="1620">
+              <a:sym typeface="+mn-ea"/>
+            </a:endParaRPr>
+          </a:p>
+          <a:p>
+            <a:pPr lvl="2"/>
+            <a:r>
+              <a:rPr lang="en-US" altLang="zh-CN" sz="1620"/>
+              <a:t>oss-admin</a:t>
+            </a:r>
+            <a:endParaRPr lang="en-US" altLang="zh-CN" sz="1620"/>
+          </a:p>
+          <a:p>
+            <a:pPr lvl="3"/>
+            <a:r>
+              <a:rPr lang="en-US" altLang="zh-CN" sz="1620">
+                <a:sym typeface="+mn-ea"/>
+              </a:rPr>
+              <a:t>git clone https://github.com/aliyun/aliyun-openapi-python-sdk.git</a:t>
+            </a:r>
+            <a:endParaRPr lang="en-US" altLang="zh-CN" sz="1620">
+              <a:sym typeface="+mn-ea"/>
+            </a:endParaRPr>
+          </a:p>
+          <a:p>
+            <a:pPr lvl="3"/>
+            <a:r>
+              <a:rPr lang="en-US" altLang="zh-CN" sz="1620" dirty="0" smtClean="0">
+                <a:latin typeface="Arial" panose="020B0604020202020204" pitchFamily="34" charset="0"/>
+                <a:ea typeface="微软雅黑" panose="020B0503020204020204" charset="-122"/>
+                <a:sym typeface="+mn-ea"/>
+              </a:rPr>
+              <a:t>cd aliyun-python-sdk-ossadmin</a:t>
+            </a:r>
+            <a:endParaRPr lang="en-US" altLang="zh-CN" sz="1620" dirty="0" smtClean="0">
+              <a:latin typeface="Arial" panose="020B0604020202020204" pitchFamily="34" charset="0"/>
+              <a:ea typeface="微软雅黑" panose="020B0503020204020204" charset="-122"/>
+              <a:sym typeface="+mn-ea"/>
+            </a:endParaRPr>
+          </a:p>
+          <a:p>
+            <a:pPr lvl="3"/>
+            <a:r>
+              <a:rPr lang="en-US" altLang="zh-CN" sz="1620" dirty="0" smtClean="0">
+                <a:latin typeface="Arial" panose="020B0604020202020204" pitchFamily="34" charset="0"/>
+                <a:ea typeface="微软雅黑" panose="020B0503020204020204" charset="-122"/>
+                <a:sym typeface="+mn-ea"/>
+              </a:rPr>
+              <a:t>sudo python setup.py install</a:t>
+            </a:r>
+            <a:endParaRPr lang="en-US" altLang="zh-CN" sz="1620" dirty="0" smtClean="0">
+              <a:latin typeface="Arial" panose="020B0604020202020204" pitchFamily="34" charset="0"/>
+              <a:ea typeface="微软雅黑" panose="020B0503020204020204" charset="-122"/>
+              <a:sym typeface="+mn-ea"/>
+            </a:endParaRPr>
+          </a:p>
+          <a:p>
+            <a:pPr lvl="0"/>
+            <a:r>
+              <a:rPr lang="en-US" altLang="zh-CN" dirty="0" smtClean="0">
+                <a:latin typeface="Arial" panose="020B0604020202020204" pitchFamily="34" charset="0"/>
+                <a:ea typeface="微软雅黑" panose="020B0503020204020204" charset="-122"/>
+                <a:sym typeface="+mn-ea"/>
+              </a:rPr>
+              <a:t>References</a:t>
+            </a:r>
+            <a:endParaRPr lang="en-US" altLang="zh-CN" dirty="0" smtClean="0">
+              <a:latin typeface="Arial" panose="020B0604020202020204" pitchFamily="34" charset="0"/>
+              <a:ea typeface="微软雅黑" panose="020B0503020204020204" charset="-122"/>
+              <a:sym typeface="+mn-ea"/>
+            </a:endParaRPr>
+          </a:p>
+          <a:p>
+            <a:pPr lvl="1"/>
+            <a:r>
+              <a:rPr lang="en-US" altLang="zh-CN" sz="1800">
+                <a:sym typeface="+mn-ea"/>
+              </a:rPr>
+              <a:t>https://help.aliyun.com/document_detail/112147.html?spm=a2c4g.11186623.6.653.6f7650a46zI0mW</a:t>
+            </a:r>
+            <a:endParaRPr lang="en-US" altLang="zh-CN" sz="1800">
+              <a:sym typeface="+mn-ea"/>
+            </a:endParaRPr>
+          </a:p>
+          <a:p>
+            <a:pPr lvl="3"/>
+            <a:endParaRPr lang="en-US" altLang="zh-CN" sz="1620"/>
+          </a:p>
+          <a:p>
+            <a:pPr lvl="2"/>
+            <a:endParaRPr lang="en-US" altLang="zh-CN"/>
+          </a:p>
+        </p:txBody>
+      </p:sp>
+    </p:spTree>
+    <p:custDataLst>
+      <p:tags r:id="rId1"/>
+    </p:custDataLst>
+  </p:cSld>
+  <p:clrMapOvr>
+    <a:masterClrMapping/>
+  </p:clrMapOvr>
+</p:sld>
+</file>
+
+<file path=ppt/slides/slide7.xml><?xml version="1.0" encoding="utf-8"?>
+<p:sld xmlns:a="http://schemas.openxmlformats.org/drawingml/2006/main" xmlns:r="http://schemas.openxmlformats.org/officeDocument/2006/relationships" xmlns:p="http://schemas.openxmlformats.org/presentationml/2006/main">
+  <p:cSld>
+    <p:spTree>
+      <p:nvGrpSpPr>
+        <p:cNvPr id="1" name=""/>
+        <p:cNvGrpSpPr/>
+        <p:nvPr/>
+      </p:nvGrpSpPr>
+      <p:grpSpPr/>
+      <p:sp>
+        <p:nvSpPr>
+          <p:cNvPr id="2" name="标题 1"/>
+          <p:cNvSpPr>
+            <a:spLocks noGrp="1"/>
+          </p:cNvSpPr>
+          <p:nvPr>
+            <p:ph type="title"/>
+          </p:nvPr>
+        </p:nvSpPr>
+        <p:spPr/>
+        <p:txBody>
+          <a:bodyPr/>
+          <a:p>
+            <a:r>
+              <a:rPr lang="en-US" altLang="zh-CN"/>
+              <a:t>API for OSS</a:t>
             </a:r>
             <a:endParaRPr lang="en-US" altLang="zh-CN"/>
           </a:p>
@@ -4496,7 +4692,7 @@
 </p:sld>
 </file>
 
-<file path=ppt/slides/slide6.xml><?xml version="1.0" encoding="utf-8"?>
+<file path=ppt/slides/slide8.xml><?xml version="1.0" encoding="utf-8"?>
 <p:sld xmlns:a="http://schemas.openxmlformats.org/drawingml/2006/main" xmlns:r="http://schemas.openxmlformats.org/officeDocument/2006/relationships" xmlns:p="http://schemas.openxmlformats.org/presentationml/2006/main">
   <p:cSld>
     <p:spTree>
@@ -4522,7 +4718,7 @@
           <a:p>
             <a:r>
               <a:rPr lang="en-US" altLang="zh-CN"/>
-              <a:t>Set up</a:t>
+              <a:t>API for SMS</a:t>
             </a:r>
             <a:endParaRPr lang="en-US" altLang="zh-CN"/>
           </a:p>
@@ -4538,103 +4734,641 @@
             <p:ph idx="1"/>
           </p:nvPr>
         </p:nvSpPr>
+        <p:spPr>
+          <a:xfrm>
+            <a:off x="838200" y="1211580"/>
+            <a:ext cx="10515600" cy="1485900"/>
+          </a:xfrm>
+        </p:spPr>
+        <p:txBody>
+          <a:bodyPr/>
+          <a:p>
+            <a:r>
+              <a:rPr lang="en-US" altLang="zh-CN"/>
+              <a:t>References</a:t>
+            </a:r>
+            <a:endParaRPr lang="en-US" altLang="zh-CN"/>
+          </a:p>
+          <a:p>
+            <a:pPr lvl="1"/>
+            <a:r>
+              <a:rPr lang="en-US" altLang="zh-CN"/>
+              <a:t>https://api.aliyun.com/?spm=a2c4g.11186623.2.17.7a1359adnVpfEa#/?product=Dysmsapi&amp;lang=PYTHON</a:t>
+            </a:r>
+            <a:endParaRPr lang="en-US" altLang="zh-CN"/>
+          </a:p>
+        </p:txBody>
+      </p:sp>
+      <p:sp>
+        <p:nvSpPr>
+          <p:cNvPr id="5" name="矩形 4"/>
+          <p:cNvSpPr/>
+          <p:nvPr/>
+        </p:nvSpPr>
+        <p:spPr>
+          <a:xfrm>
+            <a:off x="838200" y="2816225"/>
+            <a:ext cx="6937375" cy="3624580"/>
+          </a:xfrm>
+          <a:prstGeom prst="rect">
+            <a:avLst/>
+          </a:prstGeom>
+          <a:noFill/>
+          <a:ln w="12700" cmpd="sng">
+            <a:solidFill>
+              <a:schemeClr val="accent1">
+                <a:shade val="50000"/>
+              </a:schemeClr>
+            </a:solidFill>
+            <a:prstDash val="dashDot"/>
+          </a:ln>
+        </p:spPr>
+        <p:style>
+          <a:lnRef idx="2">
+            <a:schemeClr val="accent1">
+              <a:shade val="50000"/>
+            </a:schemeClr>
+          </a:lnRef>
+          <a:fillRef idx="1">
+            <a:schemeClr val="accent1"/>
+          </a:fillRef>
+          <a:effectRef idx="0">
+            <a:schemeClr val="accent1"/>
+          </a:effectRef>
+          <a:fontRef idx="minor">
+            <a:schemeClr val="lt1"/>
+          </a:fontRef>
+        </p:style>
+        <p:txBody>
+          <a:bodyPr rtlCol="0" anchor="t" anchorCtr="0"/>
+          <a:p>
+            <a:pPr algn="ctr"/>
+            <a:r>
+              <a:rPr lang="en-US" altLang="zh-CN" sz="2400" b="1">
+                <a:solidFill>
+                  <a:schemeClr val="tx1"/>
+                </a:solidFill>
+              </a:rPr>
+              <a:t>aliyunsdkcore</a:t>
+            </a:r>
+            <a:endParaRPr lang="en-US" altLang="zh-CN" sz="2400" b="1">
+              <a:solidFill>
+                <a:schemeClr val="tx1"/>
+              </a:solidFill>
+            </a:endParaRPr>
+          </a:p>
+        </p:txBody>
+      </p:sp>
+      <p:sp>
+        <p:nvSpPr>
+          <p:cNvPr id="6" name="圆角矩形 5"/>
+          <p:cNvSpPr/>
+          <p:nvPr/>
+        </p:nvSpPr>
+        <p:spPr>
+          <a:xfrm>
+            <a:off x="1353185" y="3505835"/>
+            <a:ext cx="2896870" cy="2625725"/>
+          </a:xfrm>
+          <a:prstGeom prst="roundRect">
+            <a:avLst/>
+          </a:prstGeom>
+          <a:noFill/>
+        </p:spPr>
+        <p:style>
+          <a:lnRef idx="2">
+            <a:schemeClr val="accent1">
+              <a:shade val="50000"/>
+            </a:schemeClr>
+          </a:lnRef>
+          <a:fillRef idx="1">
+            <a:schemeClr val="accent1"/>
+          </a:fillRef>
+          <a:effectRef idx="0">
+            <a:schemeClr val="accent1"/>
+          </a:effectRef>
+          <a:fontRef idx="minor">
+            <a:schemeClr val="lt1"/>
+          </a:fontRef>
+        </p:style>
+        <p:txBody>
+          <a:bodyPr rtlCol="0" anchor="t" anchorCtr="0"/>
+          <a:p>
+            <a:pPr algn="ctr"/>
+            <a:r>
+              <a:rPr lang="en-US" altLang="zh-CN">
+                <a:solidFill>
+                  <a:schemeClr val="tx1"/>
+                </a:solidFill>
+              </a:rPr>
+              <a:t>Client</a:t>
+            </a:r>
+            <a:endParaRPr lang="en-US" altLang="zh-CN">
+              <a:solidFill>
+                <a:schemeClr val="tx1"/>
+              </a:solidFill>
+            </a:endParaRPr>
+          </a:p>
+        </p:txBody>
+      </p:sp>
+      <p:sp>
+        <p:nvSpPr>
+          <p:cNvPr id="7" name="圆角矩形 6"/>
+          <p:cNvSpPr/>
+          <p:nvPr/>
+        </p:nvSpPr>
+        <p:spPr>
+          <a:xfrm>
+            <a:off x="4537075" y="3491230"/>
+            <a:ext cx="2896870" cy="2625725"/>
+          </a:xfrm>
+          <a:prstGeom prst="roundRect">
+            <a:avLst/>
+          </a:prstGeom>
+          <a:noFill/>
+        </p:spPr>
+        <p:style>
+          <a:lnRef idx="2">
+            <a:schemeClr val="accent1">
+              <a:shade val="50000"/>
+            </a:schemeClr>
+          </a:lnRef>
+          <a:fillRef idx="1">
+            <a:schemeClr val="accent1"/>
+          </a:fillRef>
+          <a:effectRef idx="0">
+            <a:schemeClr val="accent1"/>
+          </a:effectRef>
+          <a:fontRef idx="minor">
+            <a:schemeClr val="lt1"/>
+          </a:fontRef>
+        </p:style>
+        <p:txBody>
+          <a:bodyPr rtlCol="0" anchor="t" anchorCtr="0"/>
+          <a:p>
+            <a:pPr algn="ctr"/>
+            <a:r>
+              <a:rPr lang="en-US" altLang="zh-CN">
+                <a:solidFill>
+                  <a:schemeClr val="tx1"/>
+                </a:solidFill>
+              </a:rPr>
+              <a:t>Request</a:t>
+            </a:r>
+            <a:endParaRPr lang="en-US" altLang="zh-CN">
+              <a:solidFill>
+                <a:schemeClr val="tx1"/>
+              </a:solidFill>
+            </a:endParaRPr>
+          </a:p>
+        </p:txBody>
+      </p:sp>
+      <p:sp>
+        <p:nvSpPr>
+          <p:cNvPr id="8" name="圆角矩形 7"/>
+          <p:cNvSpPr/>
+          <p:nvPr/>
+        </p:nvSpPr>
+        <p:spPr>
+          <a:xfrm>
+            <a:off x="1624330" y="4220845"/>
+            <a:ext cx="1780540" cy="619125"/>
+          </a:xfrm>
+          <a:prstGeom prst="roundRect">
+            <a:avLst/>
+          </a:prstGeom>
+        </p:spPr>
+        <p:style>
+          <a:lnRef idx="2">
+            <a:schemeClr val="accent1">
+              <a:shade val="50000"/>
+            </a:schemeClr>
+          </a:lnRef>
+          <a:fillRef idx="1">
+            <a:schemeClr val="accent1"/>
+          </a:fillRef>
+          <a:effectRef idx="0">
+            <a:schemeClr val="accent1"/>
+          </a:effectRef>
+          <a:fontRef idx="minor">
+            <a:schemeClr val="lt1"/>
+          </a:fontRef>
+        </p:style>
+        <p:txBody>
+          <a:bodyPr rtlCol="0" anchor="ctr"/>
+          <a:p>
+            <a:pPr algn="ctr"/>
+            <a:r>
+              <a:rPr lang="en-US" altLang="zh-CN"/>
+              <a:t>ACSClient</a:t>
+            </a:r>
+            <a:endParaRPr lang="en-US" altLang="zh-CN"/>
+          </a:p>
+        </p:txBody>
+      </p:sp>
+      <p:sp>
+        <p:nvSpPr>
+          <p:cNvPr id="9" name="圆角矩形 8"/>
+          <p:cNvSpPr/>
+          <p:nvPr/>
+        </p:nvSpPr>
+        <p:spPr>
+          <a:xfrm>
+            <a:off x="4765675" y="4084955"/>
+            <a:ext cx="2247265" cy="619125"/>
+          </a:xfrm>
+          <a:prstGeom prst="roundRect">
+            <a:avLst/>
+          </a:prstGeom>
+        </p:spPr>
+        <p:style>
+          <a:lnRef idx="2">
+            <a:schemeClr val="accent1">
+              <a:shade val="50000"/>
+            </a:schemeClr>
+          </a:lnRef>
+          <a:fillRef idx="1">
+            <a:schemeClr val="accent1"/>
+          </a:fillRef>
+          <a:effectRef idx="0">
+            <a:schemeClr val="accent1"/>
+          </a:effectRef>
+          <a:fontRef idx="minor">
+            <a:schemeClr val="lt1"/>
+          </a:fontRef>
+        </p:style>
+        <p:txBody>
+          <a:bodyPr rtlCol="0" anchor="ctr"/>
+          <a:p>
+            <a:pPr algn="ctr"/>
+            <a:r>
+              <a:rPr lang="en-US" altLang="zh-CN"/>
+              <a:t>CommonRequest</a:t>
+            </a:r>
+            <a:endParaRPr lang="en-US" altLang="zh-CN"/>
+          </a:p>
+        </p:txBody>
+      </p:sp>
+      <p:sp>
+        <p:nvSpPr>
+          <p:cNvPr id="10" name="文本框 9"/>
+          <p:cNvSpPr txBox="1"/>
+          <p:nvPr/>
+        </p:nvSpPr>
+        <p:spPr>
+          <a:xfrm>
+            <a:off x="7954010" y="1978660"/>
+            <a:ext cx="4133215" cy="4184650"/>
+          </a:xfrm>
+          <a:prstGeom prst="rect">
+            <a:avLst/>
+          </a:prstGeom>
+          <a:noFill/>
+        </p:spPr>
+        <p:txBody>
+          <a:bodyPr wrap="square" rtlCol="0">
+            <a:spAutoFit/>
+          </a:bodyPr>
+          <a:p>
+            <a:r>
+              <a:rPr lang="zh-CN" altLang="en-US" sz="1400"/>
+              <a:t>request = CommonRequest()</a:t>
+            </a:r>
+            <a:endParaRPr lang="zh-CN" altLang="en-US" sz="1400"/>
+          </a:p>
+          <a:p>
+            <a:r>
+              <a:rPr lang="zh-CN" altLang="en-US" sz="1400"/>
+              <a:t>request.set_accept_format('json')</a:t>
+            </a:r>
+            <a:endParaRPr lang="zh-CN" altLang="en-US" sz="1400"/>
+          </a:p>
+          <a:p>
+            <a:r>
+              <a:rPr lang="zh-CN" altLang="en-US" sz="1400"/>
+              <a:t>request.set_domain('dysmsapi.aliyuncs.com')</a:t>
+            </a:r>
+            <a:endParaRPr lang="zh-CN" altLang="en-US" sz="1400"/>
+          </a:p>
+          <a:p>
+            <a:r>
+              <a:rPr lang="zh-CN" altLang="en-US" sz="1400"/>
+              <a:t>request.set_method('POST')</a:t>
+            </a:r>
+            <a:endParaRPr lang="zh-CN" altLang="en-US" sz="1400"/>
+          </a:p>
+          <a:p>
+            <a:r>
+              <a:rPr lang="zh-CN" altLang="en-US" sz="1400"/>
+              <a:t>request.set_protocol_type('https')</a:t>
+            </a:r>
+            <a:endParaRPr lang="zh-CN" altLang="en-US" sz="1400"/>
+          </a:p>
+          <a:p>
+            <a:r>
+              <a:rPr lang="zh-CN" altLang="en-US" sz="1400"/>
+              <a:t>request.set_version('2017-05-25')</a:t>
+            </a:r>
+            <a:endParaRPr lang="zh-CN" altLang="en-US" sz="1400"/>
+          </a:p>
+          <a:p>
+            <a:r>
+              <a:rPr lang="zh-CN" altLang="en-US" sz="1400"/>
+              <a:t>request.set_action_name('SendSms')</a:t>
+            </a:r>
+            <a:endParaRPr lang="zh-CN" altLang="en-US" sz="1400"/>
+          </a:p>
+          <a:p>
+            <a:r>
+              <a:rPr lang="zh-CN" altLang="en-US" sz="1400"/>
+              <a:t>request.add_query_param('RegionId', 'cn-beijing')</a:t>
+            </a:r>
+            <a:endParaRPr lang="zh-CN" altLang="en-US" sz="1400"/>
+          </a:p>
+          <a:p>
+            <a:r>
+              <a:rPr lang="zh-CN" altLang="en-US" sz="1400"/>
+              <a:t>request.add_query_param('PhoneNumbers', phone_no)</a:t>
+            </a:r>
+            <a:endParaRPr lang="zh-CN" altLang="en-US" sz="1400"/>
+          </a:p>
+          <a:p>
+            <a:r>
+              <a:rPr lang="en-US" altLang="zh-CN" sz="1400"/>
+              <a:t>r</a:t>
+            </a:r>
+            <a:r>
+              <a:rPr lang="zh-CN" altLang="en-US" sz="1400"/>
+              <a:t>equest.add_query_param('SignName', self._sign_name)</a:t>
+            </a:r>
+            <a:endParaRPr lang="zh-CN" altLang="en-US" sz="1400"/>
+          </a:p>
+          <a:p>
+            <a:r>
+              <a:rPr lang="en-US" altLang="zh-CN" sz="1400"/>
+              <a:t>r</a:t>
+            </a:r>
+            <a:r>
+              <a:rPr lang="zh-CN" altLang="en-US" sz="1400"/>
+              <a:t>equest.add_query_param('TemplateCode', self._template_code)</a:t>
+            </a:r>
+            <a:endParaRPr lang="zh-CN" altLang="en-US" sz="1400"/>
+          </a:p>
+          <a:p>
+            <a:r>
+              <a:rPr lang="zh-CN" altLang="en-US" sz="1400"/>
+              <a:t>params = {}</a:t>
+            </a:r>
+            <a:endParaRPr lang="zh-CN" altLang="en-US" sz="1400"/>
+          </a:p>
+          <a:p>
+            <a:r>
+              <a:rPr lang="zh-CN" altLang="en-US" sz="1400"/>
+              <a:t>params['code'] = code</a:t>
+            </a:r>
+            <a:endParaRPr lang="zh-CN" altLang="en-US" sz="1400"/>
+          </a:p>
+          <a:p>
+            <a:r>
+              <a:rPr lang="zh-CN" altLang="en-US" sz="1400"/>
+              <a:t>request.add_query_param('TemplateParam', params)</a:t>
+            </a:r>
+            <a:endParaRPr lang="zh-CN" altLang="en-US" sz="1400"/>
+          </a:p>
+          <a:p>
+            <a:r>
+              <a:rPr lang="zh-CN" altLang="en-US" sz="1400"/>
+              <a:t>response = self._client.do_action(request)</a:t>
+            </a:r>
+            <a:endParaRPr lang="zh-CN" altLang="en-US" sz="1400"/>
+          </a:p>
+        </p:txBody>
+      </p:sp>
+    </p:spTree>
+    <p:custDataLst>
+      <p:tags r:id="rId1"/>
+    </p:custDataLst>
+  </p:cSld>
+  <p:clrMapOvr>
+    <a:masterClrMapping/>
+  </p:clrMapOvr>
+</p:sld>
+</file>
+
+<file path=ppt/slides/slide9.xml><?xml version="1.0" encoding="utf-8"?>
+<p:sld xmlns:a="http://schemas.openxmlformats.org/drawingml/2006/main" xmlns:r="http://schemas.openxmlformats.org/officeDocument/2006/relationships" xmlns:p="http://schemas.openxmlformats.org/presentationml/2006/main">
+  <p:cSld>
+    <p:spTree>
+      <p:nvGrpSpPr>
+        <p:cNvPr id="1" name=""/>
+        <p:cNvGrpSpPr/>
+        <p:nvPr/>
+      </p:nvGrpSpPr>
+      <p:grpSpPr/>
+      <p:sp>
+        <p:nvSpPr>
+          <p:cNvPr id="2" name="标题 1"/>
+          <p:cNvSpPr>
+            <a:spLocks noGrp="1"/>
+          </p:cNvSpPr>
+          <p:nvPr>
+            <p:ph type="title"/>
+          </p:nvPr>
+        </p:nvSpPr>
         <p:spPr/>
         <p:txBody>
           <a:bodyPr/>
           <a:p>
             <a:r>
-              <a:rPr lang="en-US" altLang="zh-CN">
-                <a:sym typeface="+mn-ea"/>
-              </a:rPr>
-              <a:t>Get IP Address of ECS from Ali</a:t>
-            </a:r>
-            <a:endParaRPr lang="en-US" altLang="zh-CN">
-              <a:sym typeface="+mn-ea"/>
-            </a:endParaRPr>
-          </a:p>
-          <a:p>
-            <a:r>
               <a:rPr lang="en-US" altLang="zh-CN"/>
-              <a:t>Log in with root</a:t>
+              <a:t>Classes</a:t>
             </a:r>
             <a:endParaRPr lang="en-US" altLang="zh-CN"/>
           </a:p>
-          <a:p>
+        </p:txBody>
+      </p:sp>
+      <p:sp>
+        <p:nvSpPr>
+          <p:cNvPr id="8" name="圆角矩形 7"/>
+          <p:cNvSpPr/>
+          <p:nvPr/>
+        </p:nvSpPr>
+        <p:spPr>
+          <a:xfrm>
+            <a:off x="950595" y="1593215"/>
+            <a:ext cx="5022850" cy="1388110"/>
+          </a:xfrm>
+          <a:prstGeom prst="roundRect">
+            <a:avLst/>
+          </a:prstGeom>
+        </p:spPr>
+        <p:style>
+          <a:lnRef idx="2">
+            <a:schemeClr val="accent1">
+              <a:shade val="50000"/>
+            </a:schemeClr>
+          </a:lnRef>
+          <a:fillRef idx="1">
+            <a:schemeClr val="accent1"/>
+          </a:fillRef>
+          <a:effectRef idx="0">
+            <a:schemeClr val="accent1"/>
+          </a:effectRef>
+          <a:fontRef idx="minor">
+            <a:schemeClr val="lt1"/>
+          </a:fontRef>
+        </p:style>
+        <p:txBody>
+          <a:bodyPr rtlCol="0" anchor="t" anchorCtr="0"/>
+          <a:p>
+            <a:pPr algn="ctr"/>
             <a:r>
               <a:rPr lang="en-US" altLang="zh-CN"/>
-              <a:t>Create new user account</a:t>
+              <a:t>ACSClient</a:t>
             </a:r>
             <a:endParaRPr lang="en-US" altLang="zh-CN"/>
           </a:p>
           <a:p>
+            <a:pPr marL="285750" indent="-285750" algn="l">
+              <a:buFont typeface="Arial" panose="020B0604020202020204" pitchFamily="34" charset="0"/>
+              <a:buChar char="•"/>
+            </a:pPr>
             <a:r>
               <a:rPr lang="en-US" altLang="zh-CN"/>
-              <a:t>Install Apache</a:t>
+              <a:t>ACSClient('accessKeyId', 'accessSecret', 'cn-beijing')</a:t>
             </a:r>
             <a:endParaRPr lang="en-US" altLang="zh-CN"/>
           </a:p>
           <a:p>
-            <a:pPr lvl="1">
-              <a:buFont typeface="Wingdings" panose="05000000000000000000" charset="0"/>
-              <a:buChar char=""/>
+            <a:pPr marL="285750" indent="-285750" algn="l">
+              <a:buFont typeface="Arial" panose="020B0604020202020204" pitchFamily="34" charset="0"/>
+              <a:buChar char="•"/>
             </a:pPr>
             <a:r>
               <a:rPr lang="en-US" altLang="zh-CN"/>
-              <a:t>sudo apt install apache</a:t>
+              <a:t>do_action(request)	// return response</a:t>
             </a:r>
             <a:endParaRPr lang="en-US" altLang="zh-CN"/>
           </a:p>
-          <a:p>
-            <a:pPr lvl="0">
-              <a:buFont typeface="Wingdings" panose="05000000000000000000" charset="0"/>
-              <a:buChar char=""/>
+        </p:txBody>
+      </p:sp>
+      <p:sp>
+        <p:nvSpPr>
+          <p:cNvPr id="6" name="圆角矩形 5"/>
+          <p:cNvSpPr/>
+          <p:nvPr/>
+        </p:nvSpPr>
+        <p:spPr>
+          <a:xfrm>
+            <a:off x="6188710" y="1593215"/>
+            <a:ext cx="5165090" cy="2692400"/>
+          </a:xfrm>
+          <a:prstGeom prst="roundRect">
+            <a:avLst/>
+          </a:prstGeom>
+        </p:spPr>
+        <p:style>
+          <a:lnRef idx="2">
+            <a:schemeClr val="accent1">
+              <a:shade val="50000"/>
+            </a:schemeClr>
+          </a:lnRef>
+          <a:fillRef idx="1">
+            <a:schemeClr val="accent1"/>
+          </a:fillRef>
+          <a:effectRef idx="0">
+            <a:schemeClr val="accent1"/>
+          </a:effectRef>
+          <a:fontRef idx="minor">
+            <a:schemeClr val="lt1"/>
+          </a:fontRef>
+        </p:style>
+        <p:txBody>
+          <a:bodyPr rtlCol="0" anchor="t" anchorCtr="0"/>
+          <a:p>
+            <a:pPr algn="ctr"/>
+            <a:r>
+              <a:rPr lang="en-US" altLang="zh-CN"/>
+              <a:t>CommonRequest</a:t>
+            </a:r>
+            <a:endParaRPr lang="en-US" altLang="zh-CN"/>
+          </a:p>
+          <a:p>
+            <a:pPr marL="285750" indent="-285750" algn="l">
+              <a:buFont typeface="Arial" panose="020B0604020202020204" pitchFamily="34" charset="0"/>
+              <a:buChar char="•"/>
             </a:pPr>
             <a:r>
-              <a:rPr lang="zh-CN" altLang="zh-CN"/>
-              <a:t>设置安全组规则</a:t>
-            </a:r>
-            <a:endParaRPr lang="zh-CN" altLang="zh-CN"/>
-          </a:p>
-          <a:p>
-            <a:pPr lvl="1">
-              <a:buFont typeface="Wingdings" panose="05000000000000000000" charset="0"/>
-              <a:buChar char=""/>
+              <a:rPr lang="en-US" altLang="zh-CN"/>
+              <a:t>set_accept_format('json')</a:t>
+            </a:r>
+            <a:endParaRPr lang="en-US" altLang="zh-CN"/>
+          </a:p>
+          <a:p>
+            <a:pPr marL="285750" indent="-285750" algn="l">
+              <a:buFont typeface="Arial" panose="020B0604020202020204" pitchFamily="34" charset="0"/>
+              <a:buChar char="•"/>
             </a:pPr>
             <a:r>
               <a:rPr lang="en-US" altLang="zh-CN"/>
-              <a:t>Add HTTP 80 port rule</a:t>
+              <a:t>set_domain('dysmsapi.aliyuncs.com')</a:t>
             </a:r>
             <a:endParaRPr lang="en-US" altLang="zh-CN"/>
           </a:p>
           <a:p>
-            <a:pPr lvl="0">
-              <a:buFont typeface="Wingdings" panose="05000000000000000000" charset="0"/>
-              <a:buChar char=""/>
+            <a:pPr marL="285750" indent="-285750" algn="l">
+              <a:buFont typeface="Arial" panose="020B0604020202020204" pitchFamily="34" charset="0"/>
+              <a:buChar char="•"/>
             </a:pPr>
             <a:r>
-              <a:rPr lang="zh-CN" altLang="zh-CN"/>
-              <a:t>域名解析</a:t>
-            </a:r>
-            <a:endParaRPr lang="zh-CN" altLang="zh-CN"/>
-          </a:p>
-          <a:p>
-            <a:pPr lvl="1">
-              <a:buFont typeface="Wingdings" panose="05000000000000000000" charset="0"/>
-              <a:buChar char=""/>
+              <a:rPr lang="en-US" altLang="zh-CN"/>
+              <a:t>set_method('POST')</a:t>
+            </a:r>
+            <a:endParaRPr lang="en-US" altLang="zh-CN"/>
+          </a:p>
+          <a:p>
+            <a:pPr marL="285750" indent="-285750" algn="l">
+              <a:buFont typeface="Arial" panose="020B0604020202020204" pitchFamily="34" charset="0"/>
+              <a:buChar char="•"/>
             </a:pPr>
             <a:r>
-              <a:rPr lang="zh-CN" altLang="zh-CN"/>
-              <a:t>域名管理</a:t>
-            </a:r>
-            <a:r>
               <a:rPr lang="en-US" altLang="zh-CN"/>
-              <a:t>-</a:t>
-            </a:r>
-            <a:r>
-              <a:rPr lang="zh-CN" altLang="en-US"/>
-              <a:t>》解析</a:t>
-            </a:r>
-            <a:endParaRPr lang="zh-CN" altLang="en-US"/>
+              <a:t>set_protocol_type('https')</a:t>
+            </a:r>
+            <a:endParaRPr lang="en-US" altLang="zh-CN"/>
+          </a:p>
+          <a:p>
+            <a:pPr marL="285750" indent="-285750" algn="l">
+              <a:buFont typeface="Arial" panose="020B0604020202020204" pitchFamily="34" charset="0"/>
+              <a:buChar char="•"/>
+            </a:pPr>
+            <a:r>
+              <a:rPr lang="en-US" altLang="zh-CN"/>
+              <a:t>set_version('2017-05-25')</a:t>
+            </a:r>
+            <a:endParaRPr lang="en-US" altLang="zh-CN"/>
+          </a:p>
+          <a:p>
+            <a:pPr marL="285750" indent="-285750" algn="l">
+              <a:buFont typeface="Arial" panose="020B0604020202020204" pitchFamily="34" charset="0"/>
+              <a:buChar char="•"/>
+            </a:pPr>
+            <a:r>
+              <a:rPr lang="en-US" altLang="zh-CN"/>
+              <a:t>set_action_name('SendSms')</a:t>
+            </a:r>
+            <a:endParaRPr lang="en-US" altLang="zh-CN"/>
+          </a:p>
+          <a:p>
+            <a:pPr marL="285750" indent="-285750" algn="l">
+              <a:buFont typeface="Arial" panose="020B0604020202020204" pitchFamily="34" charset="0"/>
+              <a:buChar char="•"/>
+            </a:pPr>
+            <a:r>
+              <a:rPr lang="en-US" altLang="zh-CN"/>
+              <a:t>add_query_param('RegionId', 'cn-beijing')</a:t>
+            </a:r>
+            <a:endParaRPr lang="en-US" altLang="zh-CN"/>
           </a:p>
         </p:txBody>
       </p:sp>
@@ -4666,6 +5400,30 @@
 </file>
 
 <file path=ppt/tags/tag11.xml><?xml version="1.0" encoding="utf-8"?>
+<p:tagLst xmlns:p="http://schemas.openxmlformats.org/presentationml/2006/main">
+  <p:tag name="KSO_WM_BEAUTIFY_FLAG" val="#wm#"/>
+  <p:tag name="KSO_WM_TEMPLATE_CATEGORY" val="custom"/>
+  <p:tag name="KSO_WM_TEMPLATE_INDEX" val="160402"/>
+</p:tagLst>
+</file>
+
+<file path=ppt/tags/tag12.xml><?xml version="1.0" encoding="utf-8"?>
+<p:tagLst xmlns:p="http://schemas.openxmlformats.org/presentationml/2006/main">
+  <p:tag name="KSO_WM_BEAUTIFY_FLAG" val="#wm#"/>
+  <p:tag name="KSO_WM_TEMPLATE_CATEGORY" val="custom"/>
+  <p:tag name="KSO_WM_TEMPLATE_INDEX" val="160402"/>
+</p:tagLst>
+</file>
+
+<file path=ppt/tags/tag13.xml><?xml version="1.0" encoding="utf-8"?>
+<p:tagLst xmlns:p="http://schemas.openxmlformats.org/presentationml/2006/main">
+  <p:tag name="KSO_WM_BEAUTIFY_FLAG" val="#wm#"/>
+  <p:tag name="KSO_WM_TEMPLATE_CATEGORY" val="custom"/>
+  <p:tag name="KSO_WM_TEMPLATE_INDEX" val="160402"/>
+</p:tagLst>
+</file>
+
+<file path=ppt/tags/tag14.xml><?xml version="1.0" encoding="utf-8"?>
 <p:tagLst xmlns:p="http://schemas.openxmlformats.org/presentationml/2006/main">
   <p:tag name="KSO_WM_BEAUTIFY_FLAG" val="#wm#"/>
   <p:tag name="KSO_WM_TEMPLATE_CATEGORY" val="custom"/>
